--- a/Weekly/汇报/O2E-TU-2_汇报_0510.pptx
+++ b/Weekly/汇报/O2E-TU-2_汇报_0510.pptx
@@ -5,30 +5,30 @@
     <p:sldMasterId id="2147483648" r:id="rId1"/>
   </p:sldMasterIdLst>
   <p:notesMasterIdLst>
-    <p:notesMasterId r:id="rId7"/>
+    <p:notesMasterId r:id="rId18"/>
   </p:notesMasterIdLst>
   <p:sldIdLst>
-    <p:sldId id="256" r:id="rId3"/>
-    <p:sldId id="258" r:id="rId4"/>
-    <p:sldId id="259" r:id="rId5"/>
-    <p:sldId id="373" r:id="rId6"/>
-    <p:sldId id="415" r:id="rId8"/>
-    <p:sldId id="398" r:id="rId9"/>
-    <p:sldId id="372" r:id="rId10"/>
-    <p:sldId id="386" r:id="rId11"/>
-    <p:sldId id="399" r:id="rId12"/>
-    <p:sldId id="400" r:id="rId13"/>
-    <p:sldId id="274" r:id="rId14"/>
-    <p:sldId id="322" r:id="rId15"/>
-    <p:sldId id="375" r:id="rId16"/>
-    <p:sldId id="414" r:id="rId17"/>
-    <p:sldId id="323" r:id="rId18"/>
-    <p:sldId id="324" r:id="rId19"/>
+    <p:sldId id="256" r:id="rId2"/>
+    <p:sldId id="258" r:id="rId3"/>
+    <p:sldId id="259" r:id="rId4"/>
+    <p:sldId id="373" r:id="rId5"/>
+    <p:sldId id="415" r:id="rId6"/>
+    <p:sldId id="398" r:id="rId7"/>
+    <p:sldId id="372" r:id="rId8"/>
+    <p:sldId id="386" r:id="rId9"/>
+    <p:sldId id="399" r:id="rId10"/>
+    <p:sldId id="400" r:id="rId11"/>
+    <p:sldId id="274" r:id="rId12"/>
+    <p:sldId id="322" r:id="rId13"/>
+    <p:sldId id="375" r:id="rId14"/>
+    <p:sldId id="414" r:id="rId15"/>
+    <p:sldId id="323" r:id="rId16"/>
+    <p:sldId id="324" r:id="rId17"/>
   </p:sldIdLst>
   <p:sldSz cx="12192000" cy="6858000"/>
   <p:notesSz cx="6858000" cy="9144000"/>
   <p:custDataLst>
-    <p:tags r:id="rId23"/>
+    <p:tags r:id="rId19"/>
   </p:custDataLst>
   <p:defaultTextStyle>
     <a:defPPr>
@@ -125,6 +125,11 @@
       </a:defRPr>
     </a:lvl9pPr>
   </p:defaultTextStyle>
+  <p:extLst>
+    <p:ext uri="{EFAFB233-063F-42B5-8137-9DF3F51BA10A}">
+      <p15:sldGuideLst xmlns:p15="http://schemas.microsoft.com/office/powerpoint/2012/main"/>
+    </p:ext>
+  </p:extLst>
 </p:presentation>
 </file>
 
@@ -210,6 +215,7 @@
           <a:p>
             <a:fld id="{D2A48B96-639E-45A3-A0BA-2464DFDB1FAA}" type="datetimeFigureOut">
               <a:rPr lang="zh-CN" altLang="en-US" smtClean="0"/>
+              <a:t>2022/6/7</a:t>
             </a:fld>
             <a:endParaRPr lang="zh-CN" altLang="en-US"/>
           </a:p>
@@ -273,42 +279,37 @@
           <a:p>
             <a:pPr lvl="0"/>
             <a:r>
-              <a:rPr lang="zh-CN" altLang="en-US" smtClean="0"/>
+              <a:rPr lang="zh-CN" altLang="en-US"/>
               <a:t>单击此处编辑母版文本样式</a:t>
             </a:r>
-            <a:endParaRPr lang="zh-CN" altLang="en-US" smtClean="0"/>
           </a:p>
           <a:p>
             <a:pPr lvl="1"/>
             <a:r>
-              <a:rPr lang="zh-CN" altLang="en-US" smtClean="0"/>
+              <a:rPr lang="zh-CN" altLang="en-US"/>
               <a:t>第二级</a:t>
             </a:r>
-            <a:endParaRPr lang="zh-CN" altLang="en-US" smtClean="0"/>
           </a:p>
           <a:p>
             <a:pPr lvl="2"/>
             <a:r>
-              <a:rPr lang="zh-CN" altLang="en-US" smtClean="0"/>
+              <a:rPr lang="zh-CN" altLang="en-US"/>
               <a:t>第三级</a:t>
             </a:r>
-            <a:endParaRPr lang="zh-CN" altLang="en-US" smtClean="0"/>
           </a:p>
           <a:p>
             <a:pPr lvl="3"/>
             <a:r>
-              <a:rPr lang="zh-CN" altLang="en-US" smtClean="0"/>
+              <a:rPr lang="zh-CN" altLang="en-US"/>
               <a:t>第四级</a:t>
             </a:r>
-            <a:endParaRPr lang="zh-CN" altLang="en-US" smtClean="0"/>
           </a:p>
           <a:p>
             <a:pPr lvl="4"/>
             <a:r>
-              <a:rPr lang="zh-CN" altLang="en-US" smtClean="0"/>
+              <a:rPr lang="zh-CN" altLang="en-US"/>
               <a:t>第五级</a:t>
             </a:r>
-            <a:endParaRPr lang="zh-CN" altLang="en-US"/>
           </a:p>
         </p:txBody>
       </p:sp>
@@ -372,6 +373,7 @@
           <a:p>
             <a:fld id="{A6837353-30EB-4A48-80EB-173D804AEFBD}" type="slidenum">
               <a:rPr lang="zh-CN" altLang="en-US" smtClean="0"/>
+              <a:t>‹#›</a:t>
             </a:fld>
             <a:endParaRPr lang="zh-CN" altLang="en-US"/>
           </a:p>
@@ -484,11 +486,20 @@
         <p:cNvGrpSpPr/>
         <p:nvPr/>
       </p:nvGrpSpPr>
-      <p:grpSpPr/>
+      <p:grpSpPr>
+        <a:xfrm>
+          <a:off x="0" y="0"/>
+          <a:ext cx="0" cy="0"/>
+          <a:chOff x="0" y="0"/>
+          <a:chExt cx="0" cy="0"/>
+        </a:xfrm>
+      </p:grpSpPr>
       <p:sp>
         <p:nvSpPr>
           <p:cNvPr id="2" name="幻灯片图像占位符 1"/>
-          <p:cNvSpPr/>
+          <p:cNvSpPr>
+            <a:spLocks noGrp="1" noRot="1" noChangeAspect="1"/>
+          </p:cNvSpPr>
           <p:nvPr>
             <p:ph type="sldImg" idx="2"/>
           </p:nvPr>
@@ -498,7 +509,9 @@
       <p:sp>
         <p:nvSpPr>
           <p:cNvPr id="3" name="文本占位符 2"/>
-          <p:cNvSpPr/>
+          <p:cNvSpPr>
+            <a:spLocks noGrp="1"/>
+          </p:cNvSpPr>
           <p:nvPr>
             <p:ph type="body" idx="3"/>
           </p:nvPr>
@@ -506,6 +519,7 @@
         <p:spPr/>
         <p:txBody>
           <a:bodyPr/>
+          <a:lstStyle/>
           <a:p>
             <a:endParaRPr lang="zh-CN" altLang="en-US"/>
           </a:p>
@@ -528,11 +542,20 @@
         <p:cNvGrpSpPr/>
         <p:nvPr/>
       </p:nvGrpSpPr>
-      <p:grpSpPr/>
+      <p:grpSpPr>
+        <a:xfrm>
+          <a:off x="0" y="0"/>
+          <a:ext cx="0" cy="0"/>
+          <a:chOff x="0" y="0"/>
+          <a:chExt cx="0" cy="0"/>
+        </a:xfrm>
+      </p:grpSpPr>
       <p:sp>
         <p:nvSpPr>
           <p:cNvPr id="2" name="幻灯片图像占位符 1"/>
-          <p:cNvSpPr/>
+          <p:cNvSpPr>
+            <a:spLocks noGrp="1" noRot="1" noChangeAspect="1"/>
+          </p:cNvSpPr>
           <p:nvPr>
             <p:ph type="sldImg" idx="2"/>
           </p:nvPr>
@@ -542,7 +565,9 @@
       <p:sp>
         <p:nvSpPr>
           <p:cNvPr id="3" name="文本占位符 2"/>
-          <p:cNvSpPr/>
+          <p:cNvSpPr>
+            <a:spLocks noGrp="1"/>
+          </p:cNvSpPr>
           <p:nvPr>
             <p:ph type="body" idx="3"/>
           </p:nvPr>
@@ -550,6 +575,7 @@
         <p:spPr/>
         <p:txBody>
           <a:bodyPr/>
+          <a:lstStyle/>
           <a:p>
             <a:endParaRPr lang="zh-CN" altLang="en-US"/>
           </a:p>
@@ -572,11 +598,20 @@
         <p:cNvGrpSpPr/>
         <p:nvPr/>
       </p:nvGrpSpPr>
-      <p:grpSpPr/>
+      <p:grpSpPr>
+        <a:xfrm>
+          <a:off x="0" y="0"/>
+          <a:ext cx="0" cy="0"/>
+          <a:chOff x="0" y="0"/>
+          <a:chExt cx="0" cy="0"/>
+        </a:xfrm>
+      </p:grpSpPr>
       <p:sp>
         <p:nvSpPr>
           <p:cNvPr id="2" name="幻灯片图像占位符 1"/>
-          <p:cNvSpPr/>
+          <p:cNvSpPr>
+            <a:spLocks noGrp="1" noRot="1" noChangeAspect="1"/>
+          </p:cNvSpPr>
           <p:nvPr>
             <p:ph type="sldImg" idx="2"/>
           </p:nvPr>
@@ -586,7 +621,9 @@
       <p:sp>
         <p:nvSpPr>
           <p:cNvPr id="3" name="文本占位符 2"/>
-          <p:cNvSpPr/>
+          <p:cNvSpPr>
+            <a:spLocks noGrp="1"/>
+          </p:cNvSpPr>
           <p:nvPr>
             <p:ph type="body" idx="3"/>
           </p:nvPr>
@@ -594,6 +631,7 @@
         <p:spPr/>
         <p:txBody>
           <a:bodyPr/>
+          <a:lstStyle/>
           <a:p>
             <a:endParaRPr lang="zh-CN" altLang="en-US"/>
           </a:p>
@@ -652,7 +690,6 @@
               <a:rPr lang="zh-CN" altLang="en-US"/>
               <a:t>单击此处编辑母版标题样式</a:t>
             </a:r>
-            <a:endParaRPr lang="zh-CN" altLang="en-US"/>
           </a:p>
         </p:txBody>
       </p:sp>
@@ -717,7 +754,6 @@
               <a:rPr lang="zh-CN" altLang="en-US"/>
               <a:t>单击此处编辑母版副标题样式</a:t>
             </a:r>
-            <a:endParaRPr lang="zh-CN" altLang="en-US"/>
           </a:p>
         </p:txBody>
       </p:sp>
@@ -738,6 +774,7 @@
           <a:p>
             <a:fld id="{D997B5FA-0921-464F-AAE1-844C04324D75}" type="datetimeFigureOut">
               <a:rPr lang="zh-CN" altLang="en-US" smtClean="0"/>
+              <a:t>2022/6/7</a:t>
             </a:fld>
             <a:endParaRPr lang="zh-CN" altLang="en-US"/>
           </a:p>
@@ -779,6 +816,7 @@
           <a:p>
             <a:fld id="{565CE74E-AB26-4998-AD42-012C4C1AD076}" type="slidenum">
               <a:rPr lang="zh-CN" altLang="en-US" smtClean="0"/>
+              <a:t>‹#›</a:t>
             </a:fld>
             <a:endParaRPr lang="zh-CN" altLang="en-US"/>
           </a:p>
@@ -828,7 +866,6 @@
               <a:rPr lang="zh-CN" altLang="en-US"/>
               <a:t>单击此处编辑母版标题样式</a:t>
             </a:r>
-            <a:endParaRPr lang="zh-CN" altLang="en-US"/>
           </a:p>
         </p:txBody>
       </p:sp>
@@ -852,7 +889,6 @@
               <a:rPr lang="zh-CN" altLang="en-US"/>
               <a:t>单击此处编辑母版文本样式</a:t>
             </a:r>
-            <a:endParaRPr lang="zh-CN" altLang="en-US"/>
           </a:p>
           <a:p>
             <a:pPr lvl="1"/>
@@ -860,7 +896,6 @@
               <a:rPr lang="zh-CN" altLang="en-US"/>
               <a:t>第二级</a:t>
             </a:r>
-            <a:endParaRPr lang="zh-CN" altLang="en-US"/>
           </a:p>
           <a:p>
             <a:pPr lvl="2"/>
@@ -868,7 +903,6 @@
               <a:rPr lang="zh-CN" altLang="en-US"/>
               <a:t>第三级</a:t>
             </a:r>
-            <a:endParaRPr lang="zh-CN" altLang="en-US"/>
           </a:p>
           <a:p>
             <a:pPr lvl="3"/>
@@ -876,7 +910,6 @@
               <a:rPr lang="zh-CN" altLang="en-US"/>
               <a:t>第四级</a:t>
             </a:r>
-            <a:endParaRPr lang="zh-CN" altLang="en-US"/>
           </a:p>
           <a:p>
             <a:pPr lvl="4"/>
@@ -884,7 +917,6 @@
               <a:rPr lang="zh-CN" altLang="en-US"/>
               <a:t>第五级</a:t>
             </a:r>
-            <a:endParaRPr lang="zh-CN" altLang="en-US"/>
           </a:p>
         </p:txBody>
       </p:sp>
@@ -905,6 +937,7 @@
           <a:p>
             <a:fld id="{D997B5FA-0921-464F-AAE1-844C04324D75}" type="datetimeFigureOut">
               <a:rPr lang="zh-CN" altLang="en-US" smtClean="0"/>
+              <a:t>2022/6/7</a:t>
             </a:fld>
             <a:endParaRPr lang="zh-CN" altLang="en-US"/>
           </a:p>
@@ -946,6 +979,7 @@
           <a:p>
             <a:fld id="{565CE74E-AB26-4998-AD42-012C4C1AD076}" type="slidenum">
               <a:rPr lang="zh-CN" altLang="en-US" smtClean="0"/>
+              <a:t>‹#›</a:t>
             </a:fld>
             <a:endParaRPr lang="zh-CN" altLang="en-US"/>
           </a:p>
@@ -1000,7 +1034,6 @@
               <a:rPr lang="zh-CN" altLang="en-US"/>
               <a:t>单击此处编辑母版标题样式</a:t>
             </a:r>
-            <a:endParaRPr lang="zh-CN" altLang="en-US"/>
           </a:p>
         </p:txBody>
       </p:sp>
@@ -1029,7 +1062,6 @@
               <a:rPr lang="zh-CN" altLang="en-US"/>
               <a:t>单击此处编辑母版文本样式</a:t>
             </a:r>
-            <a:endParaRPr lang="zh-CN" altLang="en-US"/>
           </a:p>
           <a:p>
             <a:pPr lvl="1"/>
@@ -1037,7 +1069,6 @@
               <a:rPr lang="zh-CN" altLang="en-US"/>
               <a:t>第二级</a:t>
             </a:r>
-            <a:endParaRPr lang="zh-CN" altLang="en-US"/>
           </a:p>
           <a:p>
             <a:pPr lvl="2"/>
@@ -1045,7 +1076,6 @@
               <a:rPr lang="zh-CN" altLang="en-US"/>
               <a:t>第三级</a:t>
             </a:r>
-            <a:endParaRPr lang="zh-CN" altLang="en-US"/>
           </a:p>
           <a:p>
             <a:pPr lvl="3"/>
@@ -1053,7 +1083,6 @@
               <a:rPr lang="zh-CN" altLang="en-US"/>
               <a:t>第四级</a:t>
             </a:r>
-            <a:endParaRPr lang="zh-CN" altLang="en-US"/>
           </a:p>
           <a:p>
             <a:pPr lvl="4"/>
@@ -1061,7 +1090,6 @@
               <a:rPr lang="zh-CN" altLang="en-US"/>
               <a:t>第五级</a:t>
             </a:r>
-            <a:endParaRPr lang="zh-CN" altLang="en-US"/>
           </a:p>
         </p:txBody>
       </p:sp>
@@ -1082,6 +1110,7 @@
           <a:p>
             <a:fld id="{D997B5FA-0921-464F-AAE1-844C04324D75}" type="datetimeFigureOut">
               <a:rPr lang="zh-CN" altLang="en-US" smtClean="0"/>
+              <a:t>2022/6/7</a:t>
             </a:fld>
             <a:endParaRPr lang="zh-CN" altLang="en-US"/>
           </a:p>
@@ -1123,6 +1152,7 @@
           <a:p>
             <a:fld id="{565CE74E-AB26-4998-AD42-012C4C1AD076}" type="slidenum">
               <a:rPr lang="zh-CN" altLang="en-US" smtClean="0"/>
+              <a:t>‹#›</a:t>
             </a:fld>
             <a:endParaRPr lang="zh-CN" altLang="en-US"/>
           </a:p>
@@ -1172,7 +1202,6 @@
               <a:rPr lang="zh-CN" altLang="en-US"/>
               <a:t>单击此处编辑母版标题样式</a:t>
             </a:r>
-            <a:endParaRPr lang="zh-CN" altLang="en-US"/>
           </a:p>
         </p:txBody>
       </p:sp>
@@ -1196,7 +1225,6 @@
               <a:rPr lang="zh-CN" altLang="en-US"/>
               <a:t>单击此处编辑母版文本样式</a:t>
             </a:r>
-            <a:endParaRPr lang="zh-CN" altLang="en-US"/>
           </a:p>
           <a:p>
             <a:pPr lvl="1"/>
@@ -1204,7 +1232,6 @@
               <a:rPr lang="zh-CN" altLang="en-US"/>
               <a:t>第二级</a:t>
             </a:r>
-            <a:endParaRPr lang="zh-CN" altLang="en-US"/>
           </a:p>
           <a:p>
             <a:pPr lvl="2"/>
@@ -1212,7 +1239,6 @@
               <a:rPr lang="zh-CN" altLang="en-US"/>
               <a:t>第三级</a:t>
             </a:r>
-            <a:endParaRPr lang="zh-CN" altLang="en-US"/>
           </a:p>
           <a:p>
             <a:pPr lvl="3"/>
@@ -1220,7 +1246,6 @@
               <a:rPr lang="zh-CN" altLang="en-US"/>
               <a:t>第四级</a:t>
             </a:r>
-            <a:endParaRPr lang="zh-CN" altLang="en-US"/>
           </a:p>
           <a:p>
             <a:pPr lvl="4"/>
@@ -1228,7 +1253,6 @@
               <a:rPr lang="zh-CN" altLang="en-US"/>
               <a:t>第五级</a:t>
             </a:r>
-            <a:endParaRPr lang="zh-CN" altLang="en-US"/>
           </a:p>
         </p:txBody>
       </p:sp>
@@ -1249,6 +1273,7 @@
           <a:p>
             <a:fld id="{D997B5FA-0921-464F-AAE1-844C04324D75}" type="datetimeFigureOut">
               <a:rPr lang="zh-CN" altLang="en-US" smtClean="0"/>
+              <a:t>2022/6/7</a:t>
             </a:fld>
             <a:endParaRPr lang="zh-CN" altLang="en-US"/>
           </a:p>
@@ -1290,6 +1315,7 @@
           <a:p>
             <a:fld id="{565CE74E-AB26-4998-AD42-012C4C1AD076}" type="slidenum">
               <a:rPr lang="zh-CN" altLang="en-US" smtClean="0"/>
+              <a:t>‹#›</a:t>
             </a:fld>
             <a:endParaRPr lang="zh-CN" altLang="en-US"/>
           </a:p>
@@ -1348,7 +1374,6 @@
               <a:rPr lang="zh-CN" altLang="en-US"/>
               <a:t>单击此处编辑母版标题样式</a:t>
             </a:r>
-            <a:endParaRPr lang="zh-CN" altLang="en-US"/>
           </a:p>
         </p:txBody>
       </p:sp>
@@ -1468,7 +1493,6 @@
               <a:rPr lang="zh-CN" altLang="en-US"/>
               <a:t>单击此处编辑母版文本样式</a:t>
             </a:r>
-            <a:endParaRPr lang="zh-CN" altLang="en-US"/>
           </a:p>
         </p:txBody>
       </p:sp>
@@ -1489,6 +1513,7 @@
           <a:p>
             <a:fld id="{D997B5FA-0921-464F-AAE1-844C04324D75}" type="datetimeFigureOut">
               <a:rPr lang="zh-CN" altLang="en-US" smtClean="0"/>
+              <a:t>2022/6/7</a:t>
             </a:fld>
             <a:endParaRPr lang="zh-CN" altLang="en-US"/>
           </a:p>
@@ -1530,6 +1555,7 @@
           <a:p>
             <a:fld id="{565CE74E-AB26-4998-AD42-012C4C1AD076}" type="slidenum">
               <a:rPr lang="zh-CN" altLang="en-US" smtClean="0"/>
+              <a:t>‹#›</a:t>
             </a:fld>
             <a:endParaRPr lang="zh-CN" altLang="en-US"/>
           </a:p>
@@ -1579,7 +1605,6 @@
               <a:rPr lang="zh-CN" altLang="en-US"/>
               <a:t>单击此处编辑母版标题样式</a:t>
             </a:r>
-            <a:endParaRPr lang="zh-CN" altLang="en-US"/>
           </a:p>
         </p:txBody>
       </p:sp>
@@ -1608,7 +1633,6 @@
               <a:rPr lang="zh-CN" altLang="en-US"/>
               <a:t>单击此处编辑母版文本样式</a:t>
             </a:r>
-            <a:endParaRPr lang="zh-CN" altLang="en-US"/>
           </a:p>
           <a:p>
             <a:pPr lvl="1"/>
@@ -1616,7 +1640,6 @@
               <a:rPr lang="zh-CN" altLang="en-US"/>
               <a:t>第二级</a:t>
             </a:r>
-            <a:endParaRPr lang="zh-CN" altLang="en-US"/>
           </a:p>
           <a:p>
             <a:pPr lvl="2"/>
@@ -1624,7 +1647,6 @@
               <a:rPr lang="zh-CN" altLang="en-US"/>
               <a:t>第三级</a:t>
             </a:r>
-            <a:endParaRPr lang="zh-CN" altLang="en-US"/>
           </a:p>
           <a:p>
             <a:pPr lvl="3"/>
@@ -1632,7 +1654,6 @@
               <a:rPr lang="zh-CN" altLang="en-US"/>
               <a:t>第四级</a:t>
             </a:r>
-            <a:endParaRPr lang="zh-CN" altLang="en-US"/>
           </a:p>
           <a:p>
             <a:pPr lvl="4"/>
@@ -1640,7 +1661,6 @@
               <a:rPr lang="zh-CN" altLang="en-US"/>
               <a:t>第五级</a:t>
             </a:r>
-            <a:endParaRPr lang="zh-CN" altLang="en-US"/>
           </a:p>
         </p:txBody>
       </p:sp>
@@ -1669,7 +1689,6 @@
               <a:rPr lang="zh-CN" altLang="en-US"/>
               <a:t>单击此处编辑母版文本样式</a:t>
             </a:r>
-            <a:endParaRPr lang="zh-CN" altLang="en-US"/>
           </a:p>
           <a:p>
             <a:pPr lvl="1"/>
@@ -1677,7 +1696,6 @@
               <a:rPr lang="zh-CN" altLang="en-US"/>
               <a:t>第二级</a:t>
             </a:r>
-            <a:endParaRPr lang="zh-CN" altLang="en-US"/>
           </a:p>
           <a:p>
             <a:pPr lvl="2"/>
@@ -1685,7 +1703,6 @@
               <a:rPr lang="zh-CN" altLang="en-US"/>
               <a:t>第三级</a:t>
             </a:r>
-            <a:endParaRPr lang="zh-CN" altLang="en-US"/>
           </a:p>
           <a:p>
             <a:pPr lvl="3"/>
@@ -1693,7 +1710,6 @@
               <a:rPr lang="zh-CN" altLang="en-US"/>
               <a:t>第四级</a:t>
             </a:r>
-            <a:endParaRPr lang="zh-CN" altLang="en-US"/>
           </a:p>
           <a:p>
             <a:pPr lvl="4"/>
@@ -1701,7 +1717,6 @@
               <a:rPr lang="zh-CN" altLang="en-US"/>
               <a:t>第五级</a:t>
             </a:r>
-            <a:endParaRPr lang="zh-CN" altLang="en-US"/>
           </a:p>
         </p:txBody>
       </p:sp>
@@ -1722,6 +1737,7 @@
           <a:p>
             <a:fld id="{D997B5FA-0921-464F-AAE1-844C04324D75}" type="datetimeFigureOut">
               <a:rPr lang="zh-CN" altLang="en-US" smtClean="0"/>
+              <a:t>2022/6/7</a:t>
             </a:fld>
             <a:endParaRPr lang="zh-CN" altLang="en-US"/>
           </a:p>
@@ -1763,6 +1779,7 @@
           <a:p>
             <a:fld id="{565CE74E-AB26-4998-AD42-012C4C1AD076}" type="slidenum">
               <a:rPr lang="zh-CN" altLang="en-US" smtClean="0"/>
+              <a:t>‹#›</a:t>
             </a:fld>
             <a:endParaRPr lang="zh-CN" altLang="en-US"/>
           </a:p>
@@ -1817,7 +1834,6 @@
               <a:rPr lang="zh-CN" altLang="en-US"/>
               <a:t>单击此处编辑母版标题样式</a:t>
             </a:r>
-            <a:endParaRPr lang="zh-CN" altLang="en-US"/>
           </a:p>
         </p:txBody>
       </p:sp>
@@ -1883,7 +1899,6 @@
               <a:rPr lang="zh-CN" altLang="en-US"/>
               <a:t>单击此处编辑母版文本样式</a:t>
             </a:r>
-            <a:endParaRPr lang="zh-CN" altLang="en-US"/>
           </a:p>
         </p:txBody>
       </p:sp>
@@ -1912,7 +1927,6 @@
               <a:rPr lang="zh-CN" altLang="en-US"/>
               <a:t>单击此处编辑母版文本样式</a:t>
             </a:r>
-            <a:endParaRPr lang="zh-CN" altLang="en-US"/>
           </a:p>
           <a:p>
             <a:pPr lvl="1"/>
@@ -1920,7 +1934,6 @@
               <a:rPr lang="zh-CN" altLang="en-US"/>
               <a:t>第二级</a:t>
             </a:r>
-            <a:endParaRPr lang="zh-CN" altLang="en-US"/>
           </a:p>
           <a:p>
             <a:pPr lvl="2"/>
@@ -1928,7 +1941,6 @@
               <a:rPr lang="zh-CN" altLang="en-US"/>
               <a:t>第三级</a:t>
             </a:r>
-            <a:endParaRPr lang="zh-CN" altLang="en-US"/>
           </a:p>
           <a:p>
             <a:pPr lvl="3"/>
@@ -1936,7 +1948,6 @@
               <a:rPr lang="zh-CN" altLang="en-US"/>
               <a:t>第四级</a:t>
             </a:r>
-            <a:endParaRPr lang="zh-CN" altLang="en-US"/>
           </a:p>
           <a:p>
             <a:pPr lvl="4"/>
@@ -1944,7 +1955,6 @@
               <a:rPr lang="zh-CN" altLang="en-US"/>
               <a:t>第五级</a:t>
             </a:r>
-            <a:endParaRPr lang="zh-CN" altLang="en-US"/>
           </a:p>
         </p:txBody>
       </p:sp>
@@ -2010,7 +2020,6 @@
               <a:rPr lang="zh-CN" altLang="en-US"/>
               <a:t>单击此处编辑母版文本样式</a:t>
             </a:r>
-            <a:endParaRPr lang="zh-CN" altLang="en-US"/>
           </a:p>
         </p:txBody>
       </p:sp>
@@ -2039,7 +2048,6 @@
               <a:rPr lang="zh-CN" altLang="en-US"/>
               <a:t>单击此处编辑母版文本样式</a:t>
             </a:r>
-            <a:endParaRPr lang="zh-CN" altLang="en-US"/>
           </a:p>
           <a:p>
             <a:pPr lvl="1"/>
@@ -2047,7 +2055,6 @@
               <a:rPr lang="zh-CN" altLang="en-US"/>
               <a:t>第二级</a:t>
             </a:r>
-            <a:endParaRPr lang="zh-CN" altLang="en-US"/>
           </a:p>
           <a:p>
             <a:pPr lvl="2"/>
@@ -2055,7 +2062,6 @@
               <a:rPr lang="zh-CN" altLang="en-US"/>
               <a:t>第三级</a:t>
             </a:r>
-            <a:endParaRPr lang="zh-CN" altLang="en-US"/>
           </a:p>
           <a:p>
             <a:pPr lvl="3"/>
@@ -2063,7 +2069,6 @@
               <a:rPr lang="zh-CN" altLang="en-US"/>
               <a:t>第四级</a:t>
             </a:r>
-            <a:endParaRPr lang="zh-CN" altLang="en-US"/>
           </a:p>
           <a:p>
             <a:pPr lvl="4"/>
@@ -2071,7 +2076,6 @@
               <a:rPr lang="zh-CN" altLang="en-US"/>
               <a:t>第五级</a:t>
             </a:r>
-            <a:endParaRPr lang="zh-CN" altLang="en-US"/>
           </a:p>
         </p:txBody>
       </p:sp>
@@ -2092,6 +2096,7 @@
           <a:p>
             <a:fld id="{D997B5FA-0921-464F-AAE1-844C04324D75}" type="datetimeFigureOut">
               <a:rPr lang="zh-CN" altLang="en-US" smtClean="0"/>
+              <a:t>2022/6/7</a:t>
             </a:fld>
             <a:endParaRPr lang="zh-CN" altLang="en-US"/>
           </a:p>
@@ -2133,6 +2138,7 @@
           <a:p>
             <a:fld id="{565CE74E-AB26-4998-AD42-012C4C1AD076}" type="slidenum">
               <a:rPr lang="zh-CN" altLang="en-US" smtClean="0"/>
+              <a:t>‹#›</a:t>
             </a:fld>
             <a:endParaRPr lang="zh-CN" altLang="en-US"/>
           </a:p>
@@ -2182,7 +2188,6 @@
               <a:rPr lang="zh-CN" altLang="en-US"/>
               <a:t>单击此处编辑母版标题样式</a:t>
             </a:r>
-            <a:endParaRPr lang="zh-CN" altLang="en-US"/>
           </a:p>
         </p:txBody>
       </p:sp>
@@ -2203,6 +2208,7 @@
           <a:p>
             <a:fld id="{D997B5FA-0921-464F-AAE1-844C04324D75}" type="datetimeFigureOut">
               <a:rPr lang="zh-CN" altLang="en-US" smtClean="0"/>
+              <a:t>2022/6/7</a:t>
             </a:fld>
             <a:endParaRPr lang="zh-CN" altLang="en-US"/>
           </a:p>
@@ -2244,6 +2250,7 @@
           <a:p>
             <a:fld id="{565CE74E-AB26-4998-AD42-012C4C1AD076}" type="slidenum">
               <a:rPr lang="zh-CN" altLang="en-US" smtClean="0"/>
+              <a:t>‹#›</a:t>
             </a:fld>
             <a:endParaRPr lang="zh-CN" altLang="en-US"/>
           </a:p>
@@ -2291,6 +2298,7 @@
           <a:p>
             <a:fld id="{D997B5FA-0921-464F-AAE1-844C04324D75}" type="datetimeFigureOut">
               <a:rPr lang="zh-CN" altLang="en-US" smtClean="0"/>
+              <a:t>2022/6/7</a:t>
             </a:fld>
             <a:endParaRPr lang="zh-CN" altLang="en-US"/>
           </a:p>
@@ -2332,6 +2340,7 @@
           <a:p>
             <a:fld id="{565CE74E-AB26-4998-AD42-012C4C1AD076}" type="slidenum">
               <a:rPr lang="zh-CN" altLang="en-US" smtClean="0"/>
+              <a:t>‹#›</a:t>
             </a:fld>
             <a:endParaRPr lang="zh-CN" altLang="en-US"/>
           </a:p>
@@ -2390,7 +2399,6 @@
               <a:rPr lang="zh-CN" altLang="en-US"/>
               <a:t>单击此处编辑母版标题样式</a:t>
             </a:r>
-            <a:endParaRPr lang="zh-CN" altLang="en-US"/>
           </a:p>
         </p:txBody>
       </p:sp>
@@ -2447,7 +2455,6 @@
               <a:rPr lang="zh-CN" altLang="en-US"/>
               <a:t>单击此处编辑母版文本样式</a:t>
             </a:r>
-            <a:endParaRPr lang="zh-CN" altLang="en-US"/>
           </a:p>
           <a:p>
             <a:pPr lvl="1"/>
@@ -2455,7 +2462,6 @@
               <a:rPr lang="zh-CN" altLang="en-US"/>
               <a:t>第二级</a:t>
             </a:r>
-            <a:endParaRPr lang="zh-CN" altLang="en-US"/>
           </a:p>
           <a:p>
             <a:pPr lvl="2"/>
@@ -2463,7 +2469,6 @@
               <a:rPr lang="zh-CN" altLang="en-US"/>
               <a:t>第三级</a:t>
             </a:r>
-            <a:endParaRPr lang="zh-CN" altLang="en-US"/>
           </a:p>
           <a:p>
             <a:pPr lvl="3"/>
@@ -2471,7 +2476,6 @@
               <a:rPr lang="zh-CN" altLang="en-US"/>
               <a:t>第四级</a:t>
             </a:r>
-            <a:endParaRPr lang="zh-CN" altLang="en-US"/>
           </a:p>
           <a:p>
             <a:pPr lvl="4"/>
@@ -2479,7 +2483,6 @@
               <a:rPr lang="zh-CN" altLang="en-US"/>
               <a:t>第五级</a:t>
             </a:r>
-            <a:endParaRPr lang="zh-CN" altLang="en-US"/>
           </a:p>
         </p:txBody>
       </p:sp>
@@ -2545,7 +2548,6 @@
               <a:rPr lang="zh-CN" altLang="en-US"/>
               <a:t>单击此处编辑母版文本样式</a:t>
             </a:r>
-            <a:endParaRPr lang="zh-CN" altLang="en-US"/>
           </a:p>
         </p:txBody>
       </p:sp>
@@ -2566,6 +2568,7 @@
           <a:p>
             <a:fld id="{D997B5FA-0921-464F-AAE1-844C04324D75}" type="datetimeFigureOut">
               <a:rPr lang="zh-CN" altLang="en-US" smtClean="0"/>
+              <a:t>2022/6/7</a:t>
             </a:fld>
             <a:endParaRPr lang="zh-CN" altLang="en-US"/>
           </a:p>
@@ -2607,6 +2610,7 @@
           <a:p>
             <a:fld id="{565CE74E-AB26-4998-AD42-012C4C1AD076}" type="slidenum">
               <a:rPr lang="zh-CN" altLang="en-US" smtClean="0"/>
+              <a:t>‹#›</a:t>
             </a:fld>
             <a:endParaRPr lang="zh-CN" altLang="en-US"/>
           </a:p>
@@ -2665,7 +2669,6 @@
               <a:rPr lang="zh-CN" altLang="en-US"/>
               <a:t>单击此处编辑母版标题样式</a:t>
             </a:r>
-            <a:endParaRPr lang="zh-CN" altLang="en-US"/>
           </a:p>
         </p:txBody>
       </p:sp>
@@ -2792,7 +2795,6 @@
               <a:rPr lang="zh-CN" altLang="en-US"/>
               <a:t>单击此处编辑母版文本样式</a:t>
             </a:r>
-            <a:endParaRPr lang="zh-CN" altLang="en-US"/>
           </a:p>
         </p:txBody>
       </p:sp>
@@ -2813,6 +2815,7 @@
           <a:p>
             <a:fld id="{D997B5FA-0921-464F-AAE1-844C04324D75}" type="datetimeFigureOut">
               <a:rPr lang="zh-CN" altLang="en-US" smtClean="0"/>
+              <a:t>2022/6/7</a:t>
             </a:fld>
             <a:endParaRPr lang="zh-CN" altLang="en-US"/>
           </a:p>
@@ -2854,6 +2857,7 @@
           <a:p>
             <a:fld id="{565CE74E-AB26-4998-AD42-012C4C1AD076}" type="slidenum">
               <a:rPr lang="zh-CN" altLang="en-US" smtClean="0"/>
+              <a:t>‹#›</a:t>
             </a:fld>
             <a:endParaRPr lang="zh-CN" altLang="en-US"/>
           </a:p>
@@ -2918,7 +2922,6 @@
               <a:rPr lang="zh-CN" altLang="en-US"/>
               <a:t>单击此处编辑母版标题样式</a:t>
             </a:r>
-            <a:endParaRPr lang="zh-CN" altLang="en-US"/>
           </a:p>
         </p:txBody>
       </p:sp>
@@ -2952,7 +2955,6 @@
               <a:rPr lang="zh-CN" altLang="en-US"/>
               <a:t>单击此处编辑母版文本样式</a:t>
             </a:r>
-            <a:endParaRPr lang="zh-CN" altLang="en-US"/>
           </a:p>
           <a:p>
             <a:pPr lvl="1"/>
@@ -2960,7 +2962,6 @@
               <a:rPr lang="zh-CN" altLang="en-US"/>
               <a:t>第二级</a:t>
             </a:r>
-            <a:endParaRPr lang="zh-CN" altLang="en-US"/>
           </a:p>
           <a:p>
             <a:pPr lvl="2"/>
@@ -2968,7 +2969,6 @@
               <a:rPr lang="zh-CN" altLang="en-US"/>
               <a:t>第三级</a:t>
             </a:r>
-            <a:endParaRPr lang="zh-CN" altLang="en-US"/>
           </a:p>
           <a:p>
             <a:pPr lvl="3"/>
@@ -2976,7 +2976,6 @@
               <a:rPr lang="zh-CN" altLang="en-US"/>
               <a:t>第四级</a:t>
             </a:r>
-            <a:endParaRPr lang="zh-CN" altLang="en-US"/>
           </a:p>
           <a:p>
             <a:pPr lvl="4"/>
@@ -2984,7 +2983,6 @@
               <a:rPr lang="zh-CN" altLang="en-US"/>
               <a:t>第五级</a:t>
             </a:r>
-            <a:endParaRPr lang="zh-CN" altLang="en-US"/>
           </a:p>
         </p:txBody>
       </p:sp>
@@ -3023,6 +3021,7 @@
           <a:p>
             <a:fld id="{D997B5FA-0921-464F-AAE1-844C04324D75}" type="datetimeFigureOut">
               <a:rPr lang="zh-CN" altLang="en-US" smtClean="0"/>
+              <a:t>2022/6/7</a:t>
             </a:fld>
             <a:endParaRPr lang="zh-CN" altLang="en-US"/>
           </a:p>
@@ -3100,6 +3099,7 @@
           <a:p>
             <a:fld id="{565CE74E-AB26-4998-AD42-012C4C1AD076}" type="slidenum">
               <a:rPr lang="zh-CN" altLang="en-US" smtClean="0"/>
+              <a:t>‹#›</a:t>
             </a:fld>
             <a:endParaRPr lang="zh-CN" altLang="en-US"/>
           </a:p>
@@ -3430,7 +3430,7 @@
           <p:nvPr/>
         </p:nvPicPr>
         <p:blipFill>
-          <a:blip r:embed="rId1"/>
+          <a:blip r:embed="rId2"/>
           <a:stretch>
             <a:fillRect/>
           </a:stretch>
@@ -3584,22 +3584,6 @@
               </a:rPr>
               <a:t>面向企业技术需求的专家对接服务平台</a:t>
             </a:r>
-            <a:endParaRPr kumimoji="0" lang="zh-CN" altLang="en-US" sz="2800" i="0" u="none" strike="noStrike" kern="1200" cap="none" spc="0" normalizeH="0" baseline="0" noProof="0" dirty="0">
-              <a:ln>
-                <a:noFill/>
-              </a:ln>
-              <a:solidFill>
-                <a:schemeClr val="accent1">
-                  <a:lumMod val="75000"/>
-                </a:schemeClr>
-              </a:solidFill>
-              <a:effectLst/>
-              <a:uLnTx/>
-              <a:uFillTx/>
-              <a:latin typeface="经典综艺体简" panose="02010609000101010101" pitchFamily="49" charset="-122"/>
-              <a:ea typeface="经典综艺体简" panose="02010609000101010101" pitchFamily="49" charset="-122"/>
-              <a:cs typeface="经典综艺体简" panose="02010609000101010101" pitchFamily="49" charset="-122"/>
-            </a:endParaRPr>
           </a:p>
         </p:txBody>
       </p:sp>
@@ -3748,7 +3732,7 @@
           <p:nvPr/>
         </p:nvPicPr>
         <p:blipFill>
-          <a:blip r:embed="rId2"/>
+          <a:blip r:embed="rId3"/>
           <a:stretch>
             <a:fillRect/>
           </a:stretch>
@@ -3913,7 +3897,6 @@
               <a:rPr lang="en-US" altLang="zh-CN"/>
               <a:t>5-10</a:t>
             </a:r>
-            <a:endParaRPr lang="en-US" altLang="zh-CN"/>
           </a:p>
         </p:txBody>
       </p:sp>
@@ -3943,7 +3926,92 @@
               <a:rPr lang="zh-CN" altLang="en-US"/>
               <a:t>汇报：欧阳奎</a:t>
             </a:r>
+          </a:p>
+        </p:txBody>
+      </p:sp>
+      <p:sp>
+        <p:nvSpPr>
+          <p:cNvPr id="13" name="矩形 12">
+            <a:extLst>
+              <a:ext uri="{FF2B5EF4-FFF2-40B4-BE49-F238E27FC236}">
+                <a16:creationId xmlns:a16="http://schemas.microsoft.com/office/drawing/2014/main" id="{8E3D25E2-C708-394E-8C1B-CC31D4DDD634}"/>
+              </a:ext>
+            </a:extLst>
+          </p:cNvPr>
+          <p:cNvSpPr/>
+          <p:nvPr/>
+        </p:nvSpPr>
+        <p:spPr>
+          <a:xfrm>
+            <a:off x="3747184" y="4372610"/>
+            <a:ext cx="1707409" cy="589915"/>
+          </a:xfrm>
+          <a:prstGeom prst="rect">
+            <a:avLst/>
+          </a:prstGeom>
+        </p:spPr>
+        <p:style>
+          <a:lnRef idx="2">
+            <a:schemeClr val="accent1">
+              <a:shade val="50000"/>
+            </a:schemeClr>
+          </a:lnRef>
+          <a:fillRef idx="1">
+            <a:schemeClr val="accent1"/>
+          </a:fillRef>
+          <a:effectRef idx="0">
+            <a:schemeClr val="accent1"/>
+          </a:effectRef>
+          <a:fontRef idx="minor">
+            <a:schemeClr val="lt1"/>
+          </a:fontRef>
+        </p:style>
+        <p:txBody>
+          <a:bodyPr rtlCol="0" anchor="ctr"/>
+          <a:lstStyle/>
+          <a:p>
+            <a:pPr algn="ctr"/>
             <a:endParaRPr lang="zh-CN" altLang="en-US"/>
+          </a:p>
+        </p:txBody>
+      </p:sp>
+      <p:sp>
+        <p:nvSpPr>
+          <p:cNvPr id="14" name="文本框 13">
+            <a:extLst>
+              <a:ext uri="{FF2B5EF4-FFF2-40B4-BE49-F238E27FC236}">
+                <a16:creationId xmlns:a16="http://schemas.microsoft.com/office/drawing/2014/main" id="{7987C001-80E1-A743-9F3B-03BF134FBB3D}"/>
+              </a:ext>
+            </a:extLst>
+          </p:cNvPr>
+          <p:cNvSpPr txBox="1"/>
+          <p:nvPr/>
+        </p:nvSpPr>
+        <p:spPr>
+          <a:xfrm>
+            <a:off x="3747185" y="4483100"/>
+            <a:ext cx="1856740" cy="369332"/>
+          </a:xfrm>
+          <a:prstGeom prst="rect">
+            <a:avLst/>
+          </a:prstGeom>
+          <a:noFill/>
+        </p:spPr>
+        <p:txBody>
+          <a:bodyPr wrap="square" rtlCol="0">
+            <a:spAutoFit/>
+          </a:bodyPr>
+          <a:lstStyle/>
+          <a:p>
+            <a:r>
+              <a:rPr lang="en-US" altLang="zh-CN" dirty="0"/>
+              <a:t>O2E-TU-2 </a:t>
+            </a:r>
+            <a:r>
+              <a:rPr lang="zh-CN" altLang="en-US" dirty="0"/>
+              <a:t>小组</a:t>
+            </a:r>
+            <a:endParaRPr lang="en-US" altLang="zh-CN" dirty="0"/>
           </a:p>
         </p:txBody>
       </p:sp>
@@ -4115,20 +4183,6 @@
                 </a:rPr>
                 <a:t>概要文档修正</a:t>
               </a:r>
-              <a:endParaRPr kumimoji="0" lang="zh-CN" altLang="en-US" sz="3200" b="1" i="0" u="none" strike="noStrike" kern="0" cap="none" spc="0" normalizeH="0" baseline="0" noProof="0" dirty="0">
-                <a:ln>
-                  <a:noFill/>
-                </a:ln>
-                <a:solidFill>
-                  <a:prstClr val="white"/>
-                </a:solidFill>
-                <a:effectLst/>
-                <a:uLnTx/>
-                <a:uFillTx/>
-                <a:latin typeface="Verdana" panose="020B0604030504040204"/>
-                <a:ea typeface="微软雅黑" panose="020B0503020204020204" pitchFamily="34" charset="-122"/>
-                <a:cs typeface="+mn-cs"/>
-              </a:endParaRPr>
             </a:p>
           </p:txBody>
         </p:sp>
@@ -4375,13 +4429,6 @@
               </a:rPr>
               <a:t> 修订工作</a:t>
             </a:r>
-            <a:endParaRPr kumimoji="1" lang="zh-CN" altLang="en-US" sz="3200" b="1" dirty="0">
-              <a:solidFill>
-                <a:schemeClr val="tx2"/>
-              </a:solidFill>
-              <a:latin typeface="微软雅黑" panose="020B0503020204020204" pitchFamily="34" charset="-122"/>
-              <a:ea typeface="微软雅黑" panose="020B0503020204020204" pitchFamily="34" charset="-122"/>
-            </a:endParaRPr>
           </a:p>
         </p:txBody>
       </p:sp>
@@ -4394,7 +4441,7 @@
           <p:nvPr/>
         </p:nvPicPr>
         <p:blipFill>
-          <a:blip r:embed="rId1"/>
+          <a:blip r:embed="rId2"/>
           <a:stretch>
             <a:fillRect/>
           </a:stretch>
@@ -4446,11 +4493,6 @@
               </a:rPr>
               <a:t>对于错误处理的补充</a:t>
             </a:r>
-            <a:endParaRPr lang="zh-CN" sz="2400" b="1">
-              <a:latin typeface="+mn-ea"/>
-              <a:cs typeface="华光楷体一_CNKI" panose="02000500000000000000" charset="-122"/>
-              <a:sym typeface="+mn-ea"/>
-            </a:endParaRPr>
           </a:p>
         </p:txBody>
       </p:sp>
@@ -4463,7 +4505,7 @@
           <p:nvPr/>
         </p:nvPicPr>
         <p:blipFill>
-          <a:blip r:embed="rId2"/>
+          <a:blip r:embed="rId3"/>
           <a:stretch>
             <a:fillRect/>
           </a:stretch>
@@ -4487,7 +4529,7 @@
           <p:nvPr/>
         </p:nvPicPr>
         <p:blipFill>
-          <a:blip r:embed="rId3"/>
+          <a:blip r:embed="rId4"/>
           <a:stretch>
             <a:fillRect/>
           </a:stretch>
@@ -4522,6 +4564,7 @@
           <a:bodyPr wrap="square" rtlCol="0">
             <a:spAutoFit/>
           </a:bodyPr>
+          <a:lstStyle/>
           <a:p>
             <a:r>
               <a:rPr lang="zh-CN" altLang="en-US"/>
@@ -4601,11 +4644,6 @@
               </a:rPr>
               <a:t>后续计划</a:t>
             </a:r>
-            <a:endParaRPr lang="zh-CN" altLang="en-US" sz="6000" b="1" dirty="0">
-              <a:latin typeface="微软雅黑" panose="020B0503020204020204" pitchFamily="34" charset="-122"/>
-              <a:ea typeface="微软雅黑" panose="020B0503020204020204" pitchFamily="34" charset="-122"/>
-              <a:cs typeface="Yuppy SC" panose="020F0603040207020204" pitchFamily="34" charset="-122"/>
-            </a:endParaRPr>
           </a:p>
         </p:txBody>
       </p:sp>
@@ -4618,7 +4656,7 @@
           <p:nvPr/>
         </p:nvPicPr>
         <p:blipFill>
-          <a:blip r:embed="rId1"/>
+          <a:blip r:embed="rId2"/>
           <a:stretch>
             <a:fillRect/>
           </a:stretch>
@@ -5474,7 +5512,7 @@
           <p:nvPr/>
         </p:nvPicPr>
         <p:blipFill>
-          <a:blip r:embed="rId2"/>
+          <a:blip r:embed="rId3"/>
           <a:stretch>
             <a:fillRect/>
           </a:stretch>
@@ -5657,20 +5695,6 @@
                 </a:rPr>
                 <a:t>App</a:t>
               </a:r>
-              <a:endParaRPr kumimoji="0" lang="en-US" altLang="zh-CN" sz="3200" b="1" i="0" u="none" strike="noStrike" kern="0" cap="none" spc="0" normalizeH="0" baseline="0" noProof="0" dirty="0">
-                <a:ln>
-                  <a:noFill/>
-                </a:ln>
-                <a:solidFill>
-                  <a:prstClr val="white"/>
-                </a:solidFill>
-                <a:effectLst/>
-                <a:uLnTx/>
-                <a:uFillTx/>
-                <a:latin typeface="Verdana" panose="020B0604030504040204"/>
-                <a:ea typeface="微软雅黑" panose="020B0503020204020204" pitchFamily="34" charset="-122"/>
-                <a:cs typeface="+mn-cs"/>
-              </a:endParaRPr>
             </a:p>
           </p:txBody>
         </p:sp>
@@ -5917,13 +5941,6 @@
               </a:rPr>
               <a:t> 后续计划</a:t>
             </a:r>
-            <a:endParaRPr kumimoji="1" lang="zh-CN" altLang="en-US" sz="3200" b="1" dirty="0">
-              <a:solidFill>
-                <a:schemeClr val="tx2"/>
-              </a:solidFill>
-              <a:latin typeface="微软雅黑" panose="020B0503020204020204" pitchFamily="34" charset="-122"/>
-              <a:ea typeface="微软雅黑" panose="020B0503020204020204" pitchFamily="34" charset="-122"/>
-            </a:endParaRPr>
           </a:p>
         </p:txBody>
       </p:sp>
@@ -5936,7 +5953,7 @@
           <p:nvPr/>
         </p:nvPicPr>
         <p:blipFill>
-          <a:blip r:embed="rId1"/>
+          <a:blip r:embed="rId2"/>
           <a:stretch>
             <a:fillRect/>
           </a:stretch>
@@ -5982,7 +5999,6 @@
               <a:rPr lang="zh-CN" altLang="en-US" sz="2400" b="1"/>
               <a:t>企业端：</a:t>
             </a:r>
-            <a:endParaRPr lang="zh-CN" altLang="en-US" sz="2400" b="1"/>
           </a:p>
           <a:p>
             <a:pPr indent="0" fontAlgn="auto">
@@ -6030,11 +6046,6 @@
               </a:rPr>
               <a:t>专家端：</a:t>
             </a:r>
-            <a:endParaRPr lang="zh-CN" altLang="en-US" sz="2400" b="1">
-              <a:latin typeface="微软雅黑" panose="020B0503020204020204" pitchFamily="34" charset="-122"/>
-              <a:ea typeface="微软雅黑" panose="020B0503020204020204" pitchFamily="34" charset="-122"/>
-              <a:cs typeface="微软雅黑" panose="020B0503020204020204" pitchFamily="34" charset="-122"/>
-            </a:endParaRPr>
           </a:p>
           <a:p>
             <a:pPr indent="0" fontAlgn="auto">
@@ -6086,11 +6097,6 @@
               </a:rPr>
               <a:t>修复：</a:t>
             </a:r>
-            <a:endParaRPr lang="zh-CN" altLang="en-US" sz="2400" b="1">
-              <a:latin typeface="微软雅黑" panose="020B0503020204020204" pitchFamily="34" charset="-122"/>
-              <a:ea typeface="微软雅黑" panose="020B0503020204020204" pitchFamily="34" charset="-122"/>
-              <a:cs typeface="微软雅黑" panose="020B0503020204020204" pitchFamily="34" charset="-122"/>
-            </a:endParaRPr>
           </a:p>
           <a:p>
             <a:pPr indent="0" fontAlgn="auto">
@@ -6339,20 +6345,6 @@
                 </a:rPr>
                 <a:t>管理端</a:t>
               </a:r>
-              <a:endParaRPr kumimoji="0" lang="zh-CN" altLang="en-US" sz="3200" b="1" i="0" u="none" strike="noStrike" kern="0" cap="none" spc="0" normalizeH="0" baseline="0" noProof="0" dirty="0">
-                <a:ln>
-                  <a:noFill/>
-                </a:ln>
-                <a:solidFill>
-                  <a:prstClr val="white"/>
-                </a:solidFill>
-                <a:effectLst/>
-                <a:uLnTx/>
-                <a:uFillTx/>
-                <a:latin typeface="Verdana" panose="020B0604030504040204"/>
-                <a:ea typeface="微软雅黑" panose="020B0503020204020204" pitchFamily="34" charset="-122"/>
-                <a:cs typeface="+mn-cs"/>
-              </a:endParaRPr>
             </a:p>
           </p:txBody>
         </p:sp>
@@ -6599,13 +6591,6 @@
               </a:rPr>
               <a:t> 后续计划</a:t>
             </a:r>
-            <a:endParaRPr kumimoji="1" lang="zh-CN" altLang="en-US" sz="3200" b="1" dirty="0">
-              <a:solidFill>
-                <a:schemeClr val="tx2"/>
-              </a:solidFill>
-              <a:latin typeface="微软雅黑" panose="020B0503020204020204" pitchFamily="34" charset="-122"/>
-              <a:ea typeface="微软雅黑" panose="020B0503020204020204" pitchFamily="34" charset="-122"/>
-            </a:endParaRPr>
           </a:p>
         </p:txBody>
       </p:sp>
@@ -6618,7 +6603,7 @@
           <p:nvPr/>
         </p:nvPicPr>
         <p:blipFill>
-          <a:blip r:embed="rId1"/>
+          <a:blip r:embed="rId3"/>
           <a:stretch>
             <a:fillRect/>
           </a:stretch>
@@ -6664,7 +6649,6 @@
               <a:rPr lang="zh-CN" altLang="en-US" sz="2400" b="1"/>
               <a:t>需求管理</a:t>
             </a:r>
-            <a:endParaRPr lang="zh-CN" altLang="en-US" sz="2400" b="1"/>
           </a:p>
           <a:p>
             <a:pPr indent="0" fontAlgn="auto">
@@ -6709,7 +6693,6 @@
               <a:rPr lang="zh-CN" altLang="en-US" sz="2400" b="1"/>
               <a:t>用户反馈</a:t>
             </a:r>
-            <a:endParaRPr lang="zh-CN" altLang="en-US" sz="2400" b="1"/>
           </a:p>
           <a:p>
             <a:pPr indent="0" fontAlgn="auto">
@@ -6922,20 +6905,6 @@
                 </a:rPr>
                 <a:t>后端工作</a:t>
               </a:r>
-              <a:endParaRPr kumimoji="0" lang="zh-CN" altLang="en-US" sz="3200" b="1" i="0" u="none" strike="noStrike" kern="0" cap="none" spc="0" normalizeH="0" baseline="0" noProof="0" dirty="0">
-                <a:ln>
-                  <a:noFill/>
-                </a:ln>
-                <a:solidFill>
-                  <a:prstClr val="white"/>
-                </a:solidFill>
-                <a:effectLst/>
-                <a:uLnTx/>
-                <a:uFillTx/>
-                <a:latin typeface="Verdana" panose="020B0604030504040204"/>
-                <a:ea typeface="微软雅黑" panose="020B0503020204020204" pitchFamily="34" charset="-122"/>
-                <a:cs typeface="+mn-cs"/>
-              </a:endParaRPr>
             </a:p>
           </p:txBody>
         </p:sp>
@@ -7182,13 +7151,6 @@
               </a:rPr>
               <a:t> 后续计划</a:t>
             </a:r>
-            <a:endParaRPr kumimoji="1" lang="zh-CN" altLang="en-US" sz="3200" b="1" dirty="0">
-              <a:solidFill>
-                <a:schemeClr val="tx2"/>
-              </a:solidFill>
-              <a:latin typeface="微软雅黑" panose="020B0503020204020204" pitchFamily="34" charset="-122"/>
-              <a:ea typeface="微软雅黑" panose="020B0503020204020204" pitchFamily="34" charset="-122"/>
-            </a:endParaRPr>
           </a:p>
         </p:txBody>
       </p:sp>
@@ -7201,7 +7163,7 @@
           <p:nvPr/>
         </p:nvPicPr>
         <p:blipFill>
-          <a:blip r:embed="rId1"/>
+          <a:blip r:embed="rId3"/>
           <a:stretch>
             <a:fillRect/>
           </a:stretch>
@@ -7260,11 +7222,6 @@
               </a:rPr>
               <a:t>算法</a:t>
             </a:r>
-            <a:endParaRPr lang="zh-CN" altLang="en-US" sz="2400" b="1">
-              <a:latin typeface="微软雅黑" panose="020B0503020204020204" pitchFamily="34" charset="-122"/>
-              <a:ea typeface="微软雅黑" panose="020B0503020204020204" pitchFamily="34" charset="-122"/>
-              <a:cs typeface="微软雅黑" panose="020B0503020204020204" pitchFamily="34" charset="-122"/>
-            </a:endParaRPr>
           </a:p>
           <a:p>
             <a:pPr marL="457200" lvl="1" indent="0" fontAlgn="auto">
@@ -7658,7 +7615,7 @@
           <p:nvPr/>
         </p:nvPicPr>
         <p:blipFill>
-          <a:blip r:embed="rId1"/>
+          <a:blip r:embed="rId2"/>
           <a:stretch>
             <a:fillRect/>
           </a:stretch>
@@ -7682,7 +7639,7 @@
           <p:nvPr/>
         </p:nvPicPr>
         <p:blipFill>
-          <a:blip r:embed="rId2"/>
+          <a:blip r:embed="rId3"/>
           <a:stretch>
             <a:fillRect/>
           </a:stretch>
@@ -8118,7 +8075,7 @@
           <p:nvPr/>
         </p:nvPicPr>
         <p:blipFill>
-          <a:blip r:embed="rId1"/>
+          <a:blip r:embed="rId2"/>
           <a:stretch>
             <a:fillRect/>
           </a:stretch>
@@ -8142,7 +8099,7 @@
           <p:nvPr/>
         </p:nvPicPr>
         <p:blipFill>
-          <a:blip r:embed="rId2"/>
+          <a:blip r:embed="rId3"/>
           <a:stretch>
             <a:fillRect/>
           </a:stretch>
@@ -8628,11 +8585,6 @@
               </a:rPr>
               <a:t>目录</a:t>
             </a:r>
-            <a:endParaRPr lang="zh-CN" altLang="en-US" sz="4400" b="1" dirty="0">
-              <a:latin typeface="微软雅黑" panose="020B0503020204020204" pitchFamily="34" charset="-122"/>
-              <a:ea typeface="微软雅黑" panose="020B0503020204020204" pitchFamily="34" charset="-122"/>
-              <a:cs typeface="Yuppy SC" panose="020F0603040207020204" pitchFamily="34" charset="-122"/>
-            </a:endParaRPr>
           </a:p>
         </p:txBody>
       </p:sp>
@@ -9416,20 +9368,6 @@
               </a:rPr>
               <a:t>后续计划</a:t>
             </a:r>
-            <a:endParaRPr kumimoji="0" lang="zh-CN" altLang="en-US" sz="2800" b="1" i="0" u="none" strike="noStrike" kern="1200" cap="none" spc="0" normalizeH="0" baseline="0" noProof="0" dirty="0">
-              <a:ln>
-                <a:noFill/>
-              </a:ln>
-              <a:solidFill>
-                <a:prstClr val="white"/>
-              </a:solidFill>
-              <a:effectLst/>
-              <a:uLnTx/>
-              <a:uFillTx/>
-              <a:latin typeface="微软雅黑" panose="020B0503020204020204" pitchFamily="34" charset="-122"/>
-              <a:ea typeface="微软雅黑" panose="020B0503020204020204" pitchFamily="34" charset="-122"/>
-              <a:cs typeface="Aharoni" panose="02010803020104030203" pitchFamily="2" charset="-79"/>
-            </a:endParaRPr>
           </a:p>
         </p:txBody>
       </p:sp>
@@ -9446,7 +9384,7 @@
           </p:nvPr>
         </p:nvPicPr>
         <p:blipFill>
-          <a:blip r:embed="rId2"/>
+          <a:blip r:embed="rId3"/>
           <a:stretch>
             <a:fillRect/>
           </a:stretch>
@@ -9523,11 +9461,6 @@
               </a:rPr>
               <a:t>修订工作</a:t>
             </a:r>
-            <a:endParaRPr lang="zh-CN" altLang="en-US" sz="6000" b="1" dirty="0">
-              <a:latin typeface="微软雅黑" panose="020B0503020204020204" pitchFamily="34" charset="-122"/>
-              <a:ea typeface="微软雅黑" panose="020B0503020204020204" pitchFamily="34" charset="-122"/>
-              <a:cs typeface="Yuppy SC" panose="020F0603040207020204" pitchFamily="34" charset="-122"/>
-            </a:endParaRPr>
           </a:p>
         </p:txBody>
       </p:sp>
@@ -9540,7 +9473,7 @@
           <p:nvPr/>
         </p:nvPicPr>
         <p:blipFill>
-          <a:blip r:embed="rId1"/>
+          <a:blip r:embed="rId2"/>
           <a:stretch>
             <a:fillRect/>
           </a:stretch>
@@ -10396,7 +10329,7 @@
           <p:nvPr/>
         </p:nvPicPr>
         <p:blipFill>
-          <a:blip r:embed="rId2"/>
+          <a:blip r:embed="rId3"/>
           <a:stretch>
             <a:fillRect/>
           </a:stretch>
@@ -10572,13 +10505,6 @@
                 </a:rPr>
                 <a:t>需求展示</a:t>
               </a:r>
-              <a:endParaRPr lang="zh-CN" altLang="en-US" sz="3200" b="1" kern="0" dirty="0">
-                <a:solidFill>
-                  <a:prstClr val="white"/>
-                </a:solidFill>
-                <a:latin typeface="Verdana" panose="020B0604030504040204"/>
-                <a:ea typeface="微软雅黑" panose="020B0503020204020204" pitchFamily="34" charset="-122"/>
-              </a:endParaRPr>
             </a:p>
           </p:txBody>
         </p:sp>
@@ -10825,13 +10751,6 @@
               </a:rPr>
               <a:t> 修订工作</a:t>
             </a:r>
-            <a:endParaRPr kumimoji="1" lang="zh-CN" altLang="en-US" sz="3200" b="1" dirty="0">
-              <a:solidFill>
-                <a:schemeClr val="tx2"/>
-              </a:solidFill>
-              <a:latin typeface="微软雅黑" panose="020B0503020204020204" pitchFamily="34" charset="-122"/>
-              <a:ea typeface="微软雅黑" panose="020B0503020204020204" pitchFamily="34" charset="-122"/>
-            </a:endParaRPr>
           </a:p>
         </p:txBody>
       </p:sp>
@@ -10844,7 +10763,7 @@
           <p:nvPr/>
         </p:nvPicPr>
         <p:blipFill>
-          <a:blip r:embed="rId1"/>
+          <a:blip r:embed="rId3"/>
           <a:stretch>
             <a:fillRect/>
           </a:stretch>
@@ -10904,11 +10823,6 @@
               </a:rPr>
               <a:t>需求平台展示</a:t>
             </a:r>
-            <a:endParaRPr lang="zh-CN" altLang="en-US" sz="2400" b="1">
-              <a:latin typeface="+mn-ea"/>
-              <a:cs typeface="华光楷体一_CNKI" panose="02000500000000000000" charset="-122"/>
-              <a:sym typeface="+mn-ea"/>
-            </a:endParaRPr>
           </a:p>
         </p:txBody>
       </p:sp>
@@ -10949,11 +10863,6 @@
               </a:rPr>
               <a:t>修改金额单位、删除冗余信息、重新设计</a:t>
             </a:r>
-            <a:endParaRPr lang="zh-CN" altLang="en-US" b="1">
-              <a:latin typeface="华文楷体" panose="02010600040101010101" charset="-122"/>
-              <a:ea typeface="华文楷体" panose="02010600040101010101" charset="-122"/>
-              <a:cs typeface="华文楷体" panose="02010600040101010101" charset="-122"/>
-            </a:endParaRPr>
           </a:p>
         </p:txBody>
       </p:sp>
@@ -10966,7 +10875,7 @@
           <p:nvPr/>
         </p:nvPicPr>
         <p:blipFill>
-          <a:blip r:embed="rId2"/>
+          <a:blip r:embed="rId4"/>
           <a:stretch>
             <a:fillRect/>
           </a:stretch>
@@ -10990,7 +10899,7 @@
           <p:nvPr/>
         </p:nvPicPr>
         <p:blipFill>
-          <a:blip r:embed="rId3"/>
+          <a:blip r:embed="rId5"/>
           <a:stretch>
             <a:fillRect/>
           </a:stretch>
@@ -11014,7 +10923,7 @@
           <p:nvPr/>
         </p:nvPicPr>
         <p:blipFill>
-          <a:blip r:embed="rId4"/>
+          <a:blip r:embed="rId6"/>
           <a:stretch>
             <a:fillRect/>
           </a:stretch>
@@ -11104,7 +11013,7 @@
           <p:nvPr/>
         </p:nvPicPr>
         <p:blipFill>
-          <a:blip r:embed="rId5"/>
+          <a:blip r:embed="rId7"/>
           <a:stretch>
             <a:fillRect/>
           </a:stretch>
@@ -11152,6 +11061,7 @@
         </p:style>
         <p:txBody>
           <a:bodyPr rtlCol="0" anchor="ctr"/>
+          <a:lstStyle/>
           <a:p>
             <a:pPr algn="ctr"/>
             <a:endParaRPr lang="zh-CN" altLang="en-US"/>
@@ -11166,13 +11076,6 @@
   <p:transition>
     <p:wipe/>
   </p:transition>
-  <p:timing>
-    <p:tnLst>
-      <p:par>
-        <p:cTn id="1" dur="indefinite" restart="never" nodeType="tmRoot"/>
-      </p:par>
-    </p:tnLst>
-  </p:timing>
 </p:sld>
 </file>
 
@@ -11326,13 +11229,6 @@
                 </a:rPr>
                 <a:t>需求展示</a:t>
               </a:r>
-              <a:endParaRPr lang="zh-CN" altLang="en-US" sz="3200" b="1" kern="0" dirty="0">
-                <a:solidFill>
-                  <a:prstClr val="white"/>
-                </a:solidFill>
-                <a:latin typeface="Verdana" panose="020B0604030504040204"/>
-                <a:ea typeface="微软雅黑" panose="020B0503020204020204" pitchFamily="34" charset="-122"/>
-              </a:endParaRPr>
             </a:p>
           </p:txBody>
         </p:sp>
@@ -11579,13 +11475,6 @@
               </a:rPr>
               <a:t> 修订工作</a:t>
             </a:r>
-            <a:endParaRPr kumimoji="1" lang="zh-CN" altLang="en-US" sz="3200" b="1" dirty="0">
-              <a:solidFill>
-                <a:schemeClr val="tx2"/>
-              </a:solidFill>
-              <a:latin typeface="微软雅黑" panose="020B0503020204020204" pitchFamily="34" charset="-122"/>
-              <a:ea typeface="微软雅黑" panose="020B0503020204020204" pitchFamily="34" charset="-122"/>
-            </a:endParaRPr>
           </a:p>
         </p:txBody>
       </p:sp>
@@ -11598,7 +11487,7 @@
           <p:nvPr/>
         </p:nvPicPr>
         <p:blipFill>
-          <a:blip r:embed="rId1"/>
+          <a:blip r:embed="rId2"/>
           <a:stretch>
             <a:fillRect/>
           </a:stretch>
@@ -11658,11 +11547,6 @@
               </a:rPr>
               <a:t>企业端需求管理</a:t>
             </a:r>
-            <a:endParaRPr lang="zh-CN" altLang="en-US" sz="2400" b="1">
-              <a:latin typeface="+mn-ea"/>
-              <a:cs typeface="华光楷体一_CNKI" panose="02000500000000000000" charset="-122"/>
-              <a:sym typeface="+mn-ea"/>
-            </a:endParaRPr>
           </a:p>
         </p:txBody>
       </p:sp>
@@ -11727,11 +11611,6 @@
               </a:rPr>
               <a:t>”</a:t>
             </a:r>
-            <a:endParaRPr lang="en-US" altLang="zh-CN" b="1">
-              <a:latin typeface="华文楷体" panose="02010600040101010101" charset="-122"/>
-              <a:ea typeface="华文楷体" panose="02010600040101010101" charset="-122"/>
-              <a:cs typeface="华文楷体" panose="02010600040101010101" charset="-122"/>
-            </a:endParaRPr>
           </a:p>
         </p:txBody>
       </p:sp>
@@ -11744,7 +11623,7 @@
           <p:nvPr/>
         </p:nvPicPr>
         <p:blipFill>
-          <a:blip r:embed="rId2"/>
+          <a:blip r:embed="rId3"/>
           <a:stretch>
             <a:fillRect/>
           </a:stretch>
@@ -11768,7 +11647,7 @@
           <p:nvPr/>
         </p:nvPicPr>
         <p:blipFill>
-          <a:blip r:embed="rId3"/>
+          <a:blip r:embed="rId4"/>
           <a:stretch>
             <a:fillRect/>
           </a:stretch>
@@ -11816,6 +11695,7 @@
         </p:style>
         <p:txBody>
           <a:bodyPr rtlCol="0" anchor="ctr"/>
+          <a:lstStyle/>
           <a:p>
             <a:pPr algn="ctr"/>
             <a:endParaRPr lang="zh-CN" altLang="en-US"/>
@@ -11830,13 +11710,6 @@
   <p:transition>
     <p:wipe/>
   </p:transition>
-  <p:timing>
-    <p:tnLst>
-      <p:par>
-        <p:cTn id="1" dur="indefinite" restart="never" nodeType="tmRoot"/>
-      </p:par>
-    </p:tnLst>
-  </p:timing>
 </p:sld>
 </file>
 
@@ -12010,13 +11883,6 @@
                 </a:rPr>
                 <a:t>订单绑定</a:t>
               </a:r>
-              <a:endParaRPr lang="zh-CN" altLang="en-US" sz="3200" b="1" kern="0" dirty="0">
-                <a:solidFill>
-                  <a:prstClr val="white"/>
-                </a:solidFill>
-                <a:latin typeface="Verdana" panose="020B0604030504040204"/>
-                <a:ea typeface="微软雅黑" panose="020B0503020204020204" pitchFamily="34" charset="-122"/>
-              </a:endParaRPr>
             </a:p>
           </p:txBody>
         </p:sp>
@@ -12263,13 +12129,6 @@
               </a:rPr>
               <a:t> 修订工作</a:t>
             </a:r>
-            <a:endParaRPr kumimoji="1" lang="zh-CN" altLang="en-US" sz="3200" b="1" dirty="0">
-              <a:solidFill>
-                <a:schemeClr val="tx2"/>
-              </a:solidFill>
-              <a:latin typeface="微软雅黑" panose="020B0503020204020204" pitchFamily="34" charset="-122"/>
-              <a:ea typeface="微软雅黑" panose="020B0503020204020204" pitchFamily="34" charset="-122"/>
-            </a:endParaRPr>
           </a:p>
         </p:txBody>
       </p:sp>
@@ -12282,7 +12141,7 @@
           <p:nvPr/>
         </p:nvPicPr>
         <p:blipFill>
-          <a:blip r:embed="rId1"/>
+          <a:blip r:embed="rId2"/>
           <a:stretch>
             <a:fillRect/>
           </a:stretch>
@@ -12334,11 +12193,6 @@
               </a:rPr>
               <a:t>通过需求看订单</a:t>
             </a:r>
-            <a:endParaRPr lang="zh-CN" altLang="en-US" sz="2400" b="1">
-              <a:latin typeface="+mn-ea"/>
-              <a:cs typeface="华光楷体一_CNKI" panose="02000500000000000000" charset="-122"/>
-              <a:sym typeface="+mn-ea"/>
-            </a:endParaRPr>
           </a:p>
         </p:txBody>
       </p:sp>
@@ -12377,11 +12231,6 @@
               </a:rPr>
               <a:t>在需求详情页面增加了对于需求订单的查看</a:t>
             </a:r>
-            <a:endParaRPr lang="zh-CN" altLang="en-US" b="1">
-              <a:latin typeface="华文楷体" panose="02010600040101010101" charset="-122"/>
-              <a:ea typeface="华文楷体" panose="02010600040101010101" charset="-122"/>
-              <a:cs typeface="华文楷体" panose="02010600040101010101" charset="-122"/>
-            </a:endParaRPr>
           </a:p>
         </p:txBody>
       </p:sp>
@@ -12394,7 +12243,7 @@
           <p:nvPr/>
         </p:nvPicPr>
         <p:blipFill>
-          <a:blip r:embed="rId2"/>
+          <a:blip r:embed="rId3"/>
           <a:stretch>
             <a:fillRect/>
           </a:stretch>
@@ -12457,6 +12306,7 @@
         </p:style>
         <p:txBody>
           <a:bodyPr rtlCol="0" anchor="ctr"/>
+          <a:lstStyle/>
           <a:p>
             <a:pPr algn="ctr"/>
             <a:endParaRPr lang="zh-CN" altLang="en-US"/>
@@ -12471,13 +12321,6 @@
   <p:transition>
     <p:wipe/>
   </p:transition>
-  <p:timing>
-    <p:tnLst>
-      <p:par>
-        <p:cTn id="1" dur="indefinite" restart="never" nodeType="tmRoot"/>
-      </p:par>
-    </p:tnLst>
-  </p:timing>
 </p:sld>
 </file>
 
@@ -12638,20 +12481,6 @@
                 </a:rPr>
                 <a:t>专家信息展示</a:t>
               </a:r>
-              <a:endParaRPr kumimoji="0" lang="zh-CN" altLang="en-US" sz="3200" b="1" i="0" u="none" strike="noStrike" kern="0" cap="none" spc="0" normalizeH="0" baseline="0" noProof="0" dirty="0">
-                <a:ln>
-                  <a:noFill/>
-                </a:ln>
-                <a:solidFill>
-                  <a:prstClr val="white"/>
-                </a:solidFill>
-                <a:effectLst/>
-                <a:uLnTx/>
-                <a:uFillTx/>
-                <a:latin typeface="Verdana" panose="020B0604030504040204"/>
-                <a:ea typeface="微软雅黑" panose="020B0503020204020204" pitchFamily="34" charset="-122"/>
-                <a:cs typeface="+mn-cs"/>
-              </a:endParaRPr>
             </a:p>
           </p:txBody>
         </p:sp>
@@ -12898,13 +12727,6 @@
               </a:rPr>
               <a:t> 修订工作</a:t>
             </a:r>
-            <a:endParaRPr kumimoji="1" lang="zh-CN" altLang="en-US" sz="3200" b="1" dirty="0">
-              <a:solidFill>
-                <a:schemeClr val="tx2"/>
-              </a:solidFill>
-              <a:latin typeface="微软雅黑" panose="020B0503020204020204" pitchFamily="34" charset="-122"/>
-              <a:ea typeface="微软雅黑" panose="020B0503020204020204" pitchFamily="34" charset="-122"/>
-            </a:endParaRPr>
           </a:p>
         </p:txBody>
       </p:sp>
@@ -12917,7 +12739,7 @@
           <p:nvPr/>
         </p:nvPicPr>
         <p:blipFill>
-          <a:blip r:embed="rId1"/>
+          <a:blip r:embed="rId2"/>
           <a:stretch>
             <a:fillRect/>
           </a:stretch>
@@ -12969,11 +12791,6 @@
               </a:rPr>
               <a:t>专家信息填充</a:t>
             </a:r>
-            <a:endParaRPr lang="zh-CN" altLang="en-US" sz="2400" b="1">
-              <a:latin typeface="+mn-ea"/>
-              <a:cs typeface="华光楷体一_CNKI" panose="02000500000000000000" charset="-122"/>
-              <a:sym typeface="+mn-ea"/>
-            </a:endParaRPr>
           </a:p>
         </p:txBody>
       </p:sp>
@@ -12997,6 +12814,7 @@
           <a:bodyPr wrap="square">
             <a:spAutoFit/>
           </a:bodyPr>
+          <a:lstStyle/>
           <a:p>
             <a:pPr>
               <a:lnSpc>
@@ -13011,11 +12829,6 @@
               </a:rPr>
               <a:t>专家个人信息中增加了对于其论文、专利等接口的补充。</a:t>
             </a:r>
-            <a:endParaRPr lang="zh-CN" altLang="en-US" b="1">
-              <a:latin typeface="华文楷体" panose="02010600040101010101" charset="-122"/>
-              <a:ea typeface="华文楷体" panose="02010600040101010101" charset="-122"/>
-              <a:cs typeface="华文楷体" panose="02010600040101010101" charset="-122"/>
-            </a:endParaRPr>
           </a:p>
         </p:txBody>
       </p:sp>
@@ -13028,7 +12841,7 @@
           <p:nvPr/>
         </p:nvPicPr>
         <p:blipFill>
-          <a:blip r:embed="rId2"/>
+          <a:blip r:embed="rId3"/>
           <a:stretch>
             <a:fillRect/>
           </a:stretch>
@@ -13331,20 +13144,6 @@
                 </a:rPr>
                 <a:t>需求订单</a:t>
               </a:r>
-              <a:endParaRPr kumimoji="0" lang="zh-CN" altLang="en-US" sz="3200" b="1" i="0" u="none" strike="noStrike" kern="0" cap="none" spc="0" normalizeH="0" baseline="0" noProof="0" dirty="0">
-                <a:ln>
-                  <a:noFill/>
-                </a:ln>
-                <a:solidFill>
-                  <a:prstClr val="white"/>
-                </a:solidFill>
-                <a:effectLst/>
-                <a:uLnTx/>
-                <a:uFillTx/>
-                <a:latin typeface="Verdana" panose="020B0604030504040204"/>
-                <a:ea typeface="微软雅黑" panose="020B0503020204020204" pitchFamily="34" charset="-122"/>
-                <a:cs typeface="+mn-cs"/>
-              </a:endParaRPr>
             </a:p>
           </p:txBody>
         </p:sp>
@@ -13591,13 +13390,6 @@
               </a:rPr>
               <a:t> 修订工作</a:t>
             </a:r>
-            <a:endParaRPr kumimoji="1" lang="zh-CN" altLang="en-US" sz="3200" b="1" dirty="0">
-              <a:solidFill>
-                <a:schemeClr val="tx2"/>
-              </a:solidFill>
-              <a:latin typeface="微软雅黑" panose="020B0503020204020204" pitchFamily="34" charset="-122"/>
-              <a:ea typeface="微软雅黑" panose="020B0503020204020204" pitchFamily="34" charset="-122"/>
-            </a:endParaRPr>
           </a:p>
         </p:txBody>
       </p:sp>
@@ -13610,7 +13402,7 @@
           <p:nvPr/>
         </p:nvPicPr>
         <p:blipFill>
-          <a:blip r:embed="rId1"/>
+          <a:blip r:embed="rId2"/>
           <a:stretch>
             <a:fillRect/>
           </a:stretch>
@@ -13662,11 +13454,6 @@
               </a:rPr>
               <a:t>需求和订单的管理</a:t>
             </a:r>
-            <a:endParaRPr lang="zh-CN" altLang="en-US" sz="2400" b="1">
-              <a:latin typeface="+mn-ea"/>
-              <a:cs typeface="华光楷体一_CNKI" panose="02000500000000000000" charset="-122"/>
-              <a:sym typeface="+mn-ea"/>
-            </a:endParaRPr>
           </a:p>
         </p:txBody>
       </p:sp>
@@ -13690,12 +13477,12 @@
           <a:bodyPr wrap="square" rtlCol="0">
             <a:spAutoFit/>
           </a:bodyPr>
+          <a:lstStyle/>
           <a:p>
             <a:r>
               <a:rPr lang="zh-CN" altLang="en-US"/>
               <a:t>订单依托需求进行管理，目前主要是查看功能。</a:t>
             </a:r>
-            <a:endParaRPr lang="zh-CN" altLang="en-US"/>
           </a:p>
         </p:txBody>
       </p:sp>
@@ -13708,7 +13495,7 @@
           <p:nvPr/>
         </p:nvPicPr>
         <p:blipFill>
-          <a:blip r:embed="rId2"/>
+          <a:blip r:embed="rId3"/>
           <a:stretch>
             <a:fillRect/>
           </a:stretch>
@@ -14144,13 +13931,6 @@
               </a:rPr>
               <a:t> 修订工作</a:t>
             </a:r>
-            <a:endParaRPr kumimoji="1" lang="zh-CN" altLang="en-US" sz="3200" b="1" dirty="0">
-              <a:solidFill>
-                <a:schemeClr val="tx2"/>
-              </a:solidFill>
-              <a:latin typeface="微软雅黑" panose="020B0503020204020204" pitchFamily="34" charset="-122"/>
-              <a:ea typeface="微软雅黑" panose="020B0503020204020204" pitchFamily="34" charset="-122"/>
-            </a:endParaRPr>
           </a:p>
         </p:txBody>
       </p:sp>
@@ -14163,7 +13943,7 @@
           <p:nvPr/>
         </p:nvPicPr>
         <p:blipFill>
-          <a:blip r:embed="rId1"/>
+          <a:blip r:embed="rId2"/>
           <a:stretch>
             <a:fillRect/>
           </a:stretch>
@@ -14215,11 +13995,6 @@
               </a:rPr>
               <a:t>通过接口获取专家数据构建本地数据库</a:t>
             </a:r>
-            <a:endParaRPr lang="zh-CN" altLang="en-US" sz="2400" b="1">
-              <a:latin typeface="+mn-ea"/>
-              <a:cs typeface="华光楷体一_CNKI" panose="02000500000000000000" charset="-122"/>
-              <a:sym typeface="+mn-ea"/>
-            </a:endParaRPr>
           </a:p>
         </p:txBody>
       </p:sp>
@@ -14232,7 +14007,7 @@
           <p:nvPr/>
         </p:nvPicPr>
         <p:blipFill>
-          <a:blip r:embed="rId2"/>
+          <a:blip r:embed="rId3"/>
           <a:stretch>
             <a:fillRect/>
           </a:stretch>
@@ -14256,7 +14031,7 @@
           <p:nvPr/>
         </p:nvPicPr>
         <p:blipFill>
-          <a:blip r:embed="rId3"/>
+          <a:blip r:embed="rId4"/>
           <a:stretch>
             <a:fillRect/>
           </a:stretch>
@@ -14358,14 +14133,14 @@
 </file>
 
 <file path=ppt/tags/tag1.xml><?xml version="1.0" encoding="utf-8"?>
-<p:tagLst xmlns:p="http://schemas.openxmlformats.org/presentationml/2006/main">
-  <p:tag name="KSO_WM_UNIT_PLACING_PICTURE_USER_VIEWPORT" val="{&quot;height&quot;:960,&quot;width&quot;:3900}"/>
+<p:tagLst xmlns:a="http://schemas.openxmlformats.org/drawingml/2006/main" xmlns:r="http://schemas.openxmlformats.org/officeDocument/2006/relationships" xmlns:p="http://schemas.openxmlformats.org/presentationml/2006/main">
+  <p:tag name="COMMONDATA" val="eyJoZGlkIjoiYjUyYmRjMWMyN2YxNmRjZDY2YzBhZDgwNDI2NGQyODYifQ=="/>
 </p:tagLst>
 </file>
 
 <file path=ppt/tags/tag2.xml><?xml version="1.0" encoding="utf-8"?>
-<p:tagLst xmlns:p="http://schemas.openxmlformats.org/presentationml/2006/main">
-  <p:tag name="COMMONDATA" val="eyJoZGlkIjoiYjUyYmRjMWMyN2YxNmRjZDY2YzBhZDgwNDI2NGQyODYifQ=="/>
+<p:tagLst xmlns:a="http://schemas.openxmlformats.org/drawingml/2006/main" xmlns:r="http://schemas.openxmlformats.org/officeDocument/2006/relationships" xmlns:p="http://schemas.openxmlformats.org/presentationml/2006/main">
+  <p:tag name="KSO_WM_UNIT_PLACING_PICTURE_USER_VIEWPORT" val="{&quot;height&quot;:960,&quot;width&quot;:3900}"/>
 </p:tagLst>
 </file>
 
@@ -14620,6 +14395,8 @@
       </a:bgFillStyleLst>
     </a:fmtScheme>
   </a:themeElements>
+  <a:objectDefaults/>
+  <a:extraClrSchemeLst/>
   <a:extLst>
     <a:ext uri="{05A4C25C-085E-4340-85A3-A5531E510DB2}">
       <thm15:themeFamily xmlns:thm15="http://schemas.microsoft.com/office/thememl/2012/main" name="Office Theme" id="{62F939B6-93AF-4DB8-9C6B-D6C7DFDC589F}" vid="{4A3C46E8-61CC-4603-A589-7422A47A8E4A}"/>
@@ -14879,6 +14656,8 @@
       </a:bgFillStyleLst>
     </a:fmtScheme>
   </a:themeElements>
+  <a:objectDefaults/>
+  <a:extraClrSchemeLst/>
   <a:extLst>
     <a:ext uri="{05A4C25C-085E-4340-85A3-A5531E510DB2}">
       <thm15:themeFamily xmlns:thm15="http://schemas.microsoft.com/office/thememl/2012/main" name="Office Theme" id="{62F939B6-93AF-4DB8-9C6B-D6C7DFDC589F}" vid="{4A3C46E8-61CC-4603-A589-7422A47A8E4A}"/>
